--- a/MultiSpectralDETR/comb.pptx
+++ b/MultiSpectralDETR/comb.pptx
@@ -105,6 +105,11 @@
       </a:defRPr>
     </a:lvl9pPr>
   </p:defaultTextStyle>
+  <p:extLst>
+    <p:ext uri="{EFAFB233-063F-42B5-8137-9DF3F51BA10A}">
+      <p15:sldGuideLst xmlns:p15="http://schemas.microsoft.com/office/powerpoint/2012/main"/>
+    </p:ext>
+  </p:extLst>
 </p:presentation>
 </file>
 
@@ -3402,62 +3407,52 @@
           <a:chExt cx="0" cy="0"/>
         </a:xfrm>
       </p:grpSpPr>
-      <p:sp>
-        <p:nvSpPr>
-          <p:cNvPr id="2" name="Title 1">
-            <a:extLst>
-              <a:ext uri="{FF2B5EF4-FFF2-40B4-BE49-F238E27FC236}">
-                <a16:creationId xmlns:a16="http://schemas.microsoft.com/office/drawing/2014/main" id="{ECDE40B0-03CC-1245-2860-6031EE20B4FF}"/>
-              </a:ext>
-            </a:extLst>
-          </p:cNvPr>
-          <p:cNvSpPr>
-            <a:spLocks noGrp="1"/>
-          </p:cNvSpPr>
-          <p:nvPr>
-            <p:ph type="title"/>
-          </p:nvPr>
-        </p:nvSpPr>
-        <p:spPr/>
-        <p:txBody>
-          <a:bodyPr/>
-          <a:lstStyle/>
-          <a:p>
-            <a:endParaRPr lang="en-US" dirty="0"/>
-          </a:p>
-        </p:txBody>
-      </p:sp>
-      <p:sp>
-        <p:nvSpPr>
-          <p:cNvPr id="3" name="Content Placeholder 2">
-            <a:extLst>
-              <a:ext uri="{FF2B5EF4-FFF2-40B4-BE49-F238E27FC236}">
-                <a16:creationId xmlns:a16="http://schemas.microsoft.com/office/drawing/2014/main" id="{A378978B-F04A-8944-CE41-515907235385}"/>
-              </a:ext>
-            </a:extLst>
-          </p:cNvPr>
-          <p:cNvSpPr>
-            <a:spLocks noGrp="1"/>
-          </p:cNvSpPr>
+      <p:pic>
+        <p:nvPicPr>
+          <p:cNvPr id="11" name="Content Placeholder 10" descr="A diagram of a multi-head system">
+            <a:extLst>
+              <a:ext uri="{FF2B5EF4-FFF2-40B4-BE49-F238E27FC236}">
+                <a16:creationId xmlns:a16="http://schemas.microsoft.com/office/drawing/2014/main" id="{30B46DB5-5D60-7147-4D8B-CB39FF2C6852}"/>
+              </a:ext>
+            </a:extLst>
+          </p:cNvPr>
+          <p:cNvPicPr>
+            <a:picLocks noGrp="1" noChangeAspect="1"/>
+          </p:cNvPicPr>
           <p:nvPr>
             <p:ph idx="1"/>
           </p:nvPr>
-        </p:nvSpPr>
-        <p:spPr/>
-        <p:txBody>
-          <a:bodyPr/>
-          <a:lstStyle/>
-          <a:p>
-            <a:endParaRPr lang="en-US" dirty="0"/>
-          </a:p>
-        </p:txBody>
-      </p:sp>
+        </p:nvPicPr>
+        <p:blipFill>
+          <a:blip r:embed="rId2">
+            <a:extLst>
+              <a:ext uri="{28A0092B-C50C-407E-A947-70E740481C1C}">
+                <a14:useLocalDpi xmlns:a14="http://schemas.microsoft.com/office/drawing/2010/main" val="0"/>
+              </a:ext>
+            </a:extLst>
+          </a:blip>
+          <a:stretch>
+            <a:fillRect/>
+          </a:stretch>
+        </p:blipFill>
+        <p:spPr>
+          <a:xfrm>
+            <a:off x="1060004" y="475458"/>
+            <a:ext cx="4921696" cy="5435264"/>
+          </a:xfrm>
+          <a:ln>
+            <a:solidFill>
+              <a:schemeClr val="tx1"/>
+            </a:solidFill>
+          </a:ln>
+        </p:spPr>
+      </p:pic>
       <p:grpSp>
         <p:nvGrpSpPr>
-          <p:cNvPr id="14" name="Group 13">
-            <a:extLst>
-              <a:ext uri="{FF2B5EF4-FFF2-40B4-BE49-F238E27FC236}">
-                <a16:creationId xmlns:a16="http://schemas.microsoft.com/office/drawing/2014/main" id="{8949D59D-B9F9-E12C-F5D6-F1DFDCF802D9}"/>
+          <p:cNvPr id="21" name="Group 20">
+            <a:extLst>
+              <a:ext uri="{FF2B5EF4-FFF2-40B4-BE49-F238E27FC236}">
+                <a16:creationId xmlns:a16="http://schemas.microsoft.com/office/drawing/2014/main" id="{98A2167A-A9AC-1B7B-FE38-7E7C2F097AAB}"/>
               </a:ext>
             </a:extLst>
           </p:cNvPr>
@@ -3466,18 +3461,18 @@
         </p:nvGrpSpPr>
         <p:grpSpPr>
           <a:xfrm>
-            <a:off x="1620305" y="2126091"/>
-            <a:ext cx="8951390" cy="4386986"/>
-            <a:chOff x="1620305" y="2126091"/>
-            <a:chExt cx="8951390" cy="4386986"/>
+            <a:off x="2133039" y="384175"/>
+            <a:ext cx="6881018" cy="5978015"/>
+            <a:chOff x="2133039" y="384175"/>
+            <a:chExt cx="6881018" cy="5978015"/>
           </a:xfrm>
         </p:grpSpPr>
         <p:grpSp>
           <p:nvGrpSpPr>
-            <p:cNvPr id="13" name="Group 12">
+            <p:cNvPr id="19" name="Group 18">
               <a:extLst>
                 <a:ext uri="{FF2B5EF4-FFF2-40B4-BE49-F238E27FC236}">
-                  <a16:creationId xmlns:a16="http://schemas.microsoft.com/office/drawing/2014/main" id="{71A37DA2-443B-36C9-C04C-9D4A389B8C55}"/>
+                  <a16:creationId xmlns:a16="http://schemas.microsoft.com/office/drawing/2014/main" id="{623EA7ED-BAA1-59EE-A0B8-CDE23B7E2F13}"/>
                 </a:ext>
               </a:extLst>
             </p:cNvPr>
@@ -3486,10 +3481,10 @@
           </p:nvGrpSpPr>
           <p:grpSpPr>
             <a:xfrm>
-              <a:off x="1620305" y="2517775"/>
-              <a:ext cx="8951390" cy="3995302"/>
-              <a:chOff x="1682750" y="2517775"/>
-              <a:chExt cx="8951390" cy="3995302"/>
+              <a:off x="6096000" y="384175"/>
+              <a:ext cx="2918056" cy="5526547"/>
+              <a:chOff x="5953570" y="365125"/>
+              <a:chExt cx="2918056" cy="5526547"/>
             </a:xfrm>
           </p:grpSpPr>
           <p:grpSp>
@@ -3506,10 +3501,10 @@
             </p:nvGrpSpPr>
             <p:grpSpPr>
               <a:xfrm>
-                <a:off x="1682750" y="2517775"/>
-                <a:ext cx="4475695" cy="3995302"/>
+                <a:off x="5953570" y="3119685"/>
+                <a:ext cx="2918056" cy="2771987"/>
                 <a:chOff x="838200" y="1825625"/>
-                <a:chExt cx="4475695" cy="3995302"/>
+                <a:chExt cx="4475695" cy="4122949"/>
               </a:xfrm>
             </p:grpSpPr>
             <p:pic>
@@ -3525,7 +3520,7 @@
                 <p:nvPr/>
               </p:nvPicPr>
               <p:blipFill>
-                <a:blip r:embed="rId2">
+                <a:blip r:embed="rId3">
                   <a:alphaModFix/>
                 </a:blip>
                 <a:stretch>
@@ -3560,8 +3555,8 @@
               </p:nvSpPr>
               <p:spPr>
                 <a:xfrm>
-                  <a:off x="2047347" y="5513150"/>
-                  <a:ext cx="2057400" cy="307777"/>
+                  <a:off x="2169502" y="5490798"/>
+                  <a:ext cx="2411120" cy="457776"/>
                 </a:xfrm>
                 <a:prstGeom prst="rect">
                   <a:avLst/>
@@ -3596,10 +3591,10 @@
             </p:nvGrpSpPr>
             <p:grpSpPr>
               <a:xfrm>
-                <a:off x="6158445" y="2517775"/>
-                <a:ext cx="4475695" cy="3972949"/>
+                <a:off x="5953570" y="365125"/>
+                <a:ext cx="2918056" cy="2709559"/>
                 <a:chOff x="5313895" y="1825625"/>
-                <a:chExt cx="4475695" cy="3972949"/>
+                <a:chExt cx="4475695" cy="4030094"/>
               </a:xfrm>
             </p:grpSpPr>
             <p:pic>
@@ -3615,7 +3610,7 @@
                 <p:nvPr/>
               </p:nvPicPr>
               <p:blipFill>
-                <a:blip r:embed="rId3">
+                <a:blip r:embed="rId4">
                   <a:alphaModFix/>
                 </a:blip>
                 <a:stretch>
@@ -3650,8 +3645,8 @@
               </p:nvSpPr>
               <p:spPr>
                 <a:xfrm>
-                  <a:off x="6523042" y="5490797"/>
-                  <a:ext cx="2057400" cy="307777"/>
+                  <a:off x="6756911" y="5425012"/>
+                  <a:ext cx="2187691" cy="430707"/>
                 </a:xfrm>
                 <a:prstGeom prst="rect">
                   <a:avLst/>
@@ -3673,41 +3668,97 @@
             </p:sp>
           </p:grpSp>
         </p:grpSp>
-        <p:sp>
-          <p:nvSpPr>
-            <p:cNvPr id="12" name="TextBox 11">
+        <p:grpSp>
+          <p:nvGrpSpPr>
+            <p:cNvPr id="20" name="Group 19">
               <a:extLst>
                 <a:ext uri="{FF2B5EF4-FFF2-40B4-BE49-F238E27FC236}">
-                  <a16:creationId xmlns:a16="http://schemas.microsoft.com/office/drawing/2014/main" id="{7AA12715-6033-5CE1-AAC5-8ABA8A6013D8}"/>
+                  <a16:creationId xmlns:a16="http://schemas.microsoft.com/office/drawing/2014/main" id="{F8B86F56-A51D-FDAF-56B6-6A6A997CE9D4}"/>
                 </a:ext>
               </a:extLst>
             </p:cNvPr>
-            <p:cNvSpPr txBox="1"/>
+            <p:cNvGrpSpPr/>
             <p:nvPr/>
-          </p:nvSpPr>
-          <p:spPr>
+          </p:nvGrpSpPr>
+          <p:grpSpPr>
             <a:xfrm>
-              <a:off x="4670425" y="2126091"/>
-              <a:ext cx="2851149" cy="369332"/>
+              <a:off x="2133039" y="5984966"/>
+              <a:ext cx="6881018" cy="377224"/>
+              <a:chOff x="1990609" y="5965916"/>
+              <a:chExt cx="6881018" cy="377224"/>
             </a:xfrm>
-            <a:prstGeom prst="rect">
-              <a:avLst/>
-            </a:prstGeom>
-            <a:noFill/>
-          </p:spPr>
-          <p:txBody>
-            <a:bodyPr wrap="square" rtlCol="0">
-              <a:spAutoFit/>
-            </a:bodyPr>
-            <a:lstStyle/>
-            <a:p>
-              <a:r>
-                <a:rPr lang="en-US" b="1" dirty="0"/>
-                <a:t>Object Detection Result</a:t>
-              </a:r>
-            </a:p>
-          </p:txBody>
-        </p:sp>
+          </p:grpSpPr>
+          <p:sp>
+            <p:nvSpPr>
+              <p:cNvPr id="12" name="TextBox 11">
+                <a:extLst>
+                  <a:ext uri="{FF2B5EF4-FFF2-40B4-BE49-F238E27FC236}">
+                    <a16:creationId xmlns:a16="http://schemas.microsoft.com/office/drawing/2014/main" id="{7AA12715-6033-5CE1-AAC5-8ABA8A6013D8}"/>
+                  </a:ext>
+                </a:extLst>
+              </p:cNvPr>
+              <p:cNvSpPr txBox="1"/>
+              <p:nvPr/>
+            </p:nvSpPr>
+            <p:spPr>
+              <a:xfrm>
+                <a:off x="6096001" y="5973808"/>
+                <a:ext cx="2775626" cy="369332"/>
+              </a:xfrm>
+              <a:prstGeom prst="rect">
+                <a:avLst/>
+              </a:prstGeom>
+              <a:noFill/>
+            </p:spPr>
+            <p:txBody>
+              <a:bodyPr wrap="square" rtlCol="0">
+                <a:spAutoFit/>
+              </a:bodyPr>
+              <a:lstStyle/>
+              <a:p>
+                <a:r>
+                  <a:rPr lang="en-US" b="1" dirty="0"/>
+                  <a:t>Object Detection Result</a:t>
+                </a:r>
+              </a:p>
+            </p:txBody>
+          </p:sp>
+          <p:sp>
+            <p:nvSpPr>
+              <p:cNvPr id="15" name="TextBox 14">
+                <a:extLst>
+                  <a:ext uri="{FF2B5EF4-FFF2-40B4-BE49-F238E27FC236}">
+                    <a16:creationId xmlns:a16="http://schemas.microsoft.com/office/drawing/2014/main" id="{7ABD5A77-82AC-CE10-3E83-F7DF3F41AAC6}"/>
+                  </a:ext>
+                </a:extLst>
+              </p:cNvPr>
+              <p:cNvSpPr txBox="1"/>
+              <p:nvPr/>
+            </p:nvSpPr>
+            <p:spPr>
+              <a:xfrm>
+                <a:off x="1990609" y="5965916"/>
+                <a:ext cx="2775626" cy="369332"/>
+              </a:xfrm>
+              <a:prstGeom prst="rect">
+                <a:avLst/>
+              </a:prstGeom>
+              <a:noFill/>
+            </p:spPr>
+            <p:txBody>
+              <a:bodyPr wrap="square" rtlCol="0">
+                <a:spAutoFit/>
+              </a:bodyPr>
+              <a:lstStyle/>
+              <a:p>
+                <a:r>
+                  <a:rPr lang="en-US" b="1" dirty="0"/>
+                  <a:t>DETR Architecture</a:t>
+                </a:r>
+              </a:p>
+            </p:txBody>
+          </p:sp>
+        </p:grpSp>
       </p:grpSp>
     </p:spTree>
     <p:extLst>
